--- a/cse103/slides/logical_statement-codes.pptx
+++ b/cse103/slides/logical_statement-codes.pptx
@@ -356,7 +356,7 @@
             <a:fld id="{1D8BD707-D9CF-40AE-B4C6-C98DA3205C09}" type="datetimeFigureOut">
               <a:rPr lang="en-US" smtClean="0"/>
               <a:pPr/>
-              <a:t>7/11/2020</a:t>
+              <a:t>7/12/2020</a:t>
             </a:fld>
             <a:endParaRPr lang="en-US"/>
           </a:p>
@@ -521,7 +521,7 @@
             <a:fld id="{1D8BD707-D9CF-40AE-B4C6-C98DA3205C09}" type="datetimeFigureOut">
               <a:rPr lang="en-US" smtClean="0"/>
               <a:pPr/>
-              <a:t>7/11/2020</a:t>
+              <a:t>7/12/2020</a:t>
             </a:fld>
             <a:endParaRPr lang="en-US"/>
           </a:p>
@@ -696,7 +696,7 @@
             <a:fld id="{1D8BD707-D9CF-40AE-B4C6-C98DA3205C09}" type="datetimeFigureOut">
               <a:rPr lang="en-US" smtClean="0"/>
               <a:pPr/>
-              <a:t>7/11/2020</a:t>
+              <a:t>7/12/2020</a:t>
             </a:fld>
             <a:endParaRPr lang="en-US"/>
           </a:p>
@@ -861,7 +861,7 @@
             <a:fld id="{1D8BD707-D9CF-40AE-B4C6-C98DA3205C09}" type="datetimeFigureOut">
               <a:rPr lang="en-US" smtClean="0"/>
               <a:pPr/>
-              <a:t>7/11/2020</a:t>
+              <a:t>7/12/2020</a:t>
             </a:fld>
             <a:endParaRPr lang="en-US"/>
           </a:p>
@@ -1103,7 +1103,7 @@
             <a:fld id="{1D8BD707-D9CF-40AE-B4C6-C98DA3205C09}" type="datetimeFigureOut">
               <a:rPr lang="en-US" smtClean="0"/>
               <a:pPr/>
-              <a:t>7/11/2020</a:t>
+              <a:t>7/12/2020</a:t>
             </a:fld>
             <a:endParaRPr lang="en-US"/>
           </a:p>
@@ -1385,7 +1385,7 @@
             <a:fld id="{1D8BD707-D9CF-40AE-B4C6-C98DA3205C09}" type="datetimeFigureOut">
               <a:rPr lang="en-US" smtClean="0"/>
               <a:pPr/>
-              <a:t>7/11/2020</a:t>
+              <a:t>7/12/2020</a:t>
             </a:fld>
             <a:endParaRPr lang="en-US"/>
           </a:p>
@@ -1801,7 +1801,7 @@
             <a:fld id="{1D8BD707-D9CF-40AE-B4C6-C98DA3205C09}" type="datetimeFigureOut">
               <a:rPr lang="en-US" smtClean="0"/>
               <a:pPr/>
-              <a:t>7/11/2020</a:t>
+              <a:t>7/12/2020</a:t>
             </a:fld>
             <a:endParaRPr lang="en-US"/>
           </a:p>
@@ -1915,7 +1915,7 @@
             <a:fld id="{1D8BD707-D9CF-40AE-B4C6-C98DA3205C09}" type="datetimeFigureOut">
               <a:rPr lang="en-US" smtClean="0"/>
               <a:pPr/>
-              <a:t>7/11/2020</a:t>
+              <a:t>7/12/2020</a:t>
             </a:fld>
             <a:endParaRPr lang="en-US"/>
           </a:p>
@@ -2007,7 +2007,7 @@
             <a:fld id="{1D8BD707-D9CF-40AE-B4C6-C98DA3205C09}" type="datetimeFigureOut">
               <a:rPr lang="en-US" smtClean="0"/>
               <a:pPr/>
-              <a:t>7/11/2020</a:t>
+              <a:t>7/12/2020</a:t>
             </a:fld>
             <a:endParaRPr lang="en-US"/>
           </a:p>
@@ -2279,7 +2279,7 @@
             <a:fld id="{1D8BD707-D9CF-40AE-B4C6-C98DA3205C09}" type="datetimeFigureOut">
               <a:rPr lang="en-US" smtClean="0"/>
               <a:pPr/>
-              <a:t>7/11/2020</a:t>
+              <a:t>7/12/2020</a:t>
             </a:fld>
             <a:endParaRPr lang="en-US"/>
           </a:p>
@@ -2528,7 +2528,7 @@
             <a:fld id="{1D8BD707-D9CF-40AE-B4C6-C98DA3205C09}" type="datetimeFigureOut">
               <a:rPr lang="en-US" smtClean="0"/>
               <a:pPr/>
-              <a:t>7/11/2020</a:t>
+              <a:t>7/12/2020</a:t>
             </a:fld>
             <a:endParaRPr lang="en-US"/>
           </a:p>
@@ -2736,7 +2736,7 @@
             <a:fld id="{1D8BD707-D9CF-40AE-B4C6-C98DA3205C09}" type="datetimeFigureOut">
               <a:rPr lang="en-US" smtClean="0"/>
               <a:pPr/>
-              <a:t>7/11/2020</a:t>
+              <a:t>7/12/2020</a:t>
             </a:fld>
             <a:endParaRPr lang="en-US"/>
           </a:p>
@@ -4751,7 +4751,7 @@
               <a:rPr lang="en-US" sz="2000" dirty="0" smtClean="0">
                 <a:latin typeface="Comic Sans MS" pitchFamily="66" charset="0"/>
               </a:rPr>
-              <a:t>1.666667</a:t>
+              <a:t>1.000000</a:t>
             </a:r>
             <a:endParaRPr lang="en-US" sz="2000" dirty="0">
               <a:latin typeface="Comic Sans MS" pitchFamily="66" charset="0"/>
@@ -4952,7 +4952,7 @@
         <p:spPr>
           <a:xfrm>
             <a:off x="6781800" y="4267200"/>
-            <a:ext cx="1600200" cy="369332"/>
+            <a:ext cx="1752600" cy="369332"/>
           </a:xfrm>
           <a:prstGeom prst="rect">
             <a:avLst/>
@@ -4981,8 +4981,9 @@
             <a:pPr algn="ctr"/>
             <a:r>
               <a:rPr lang="en-US" dirty="0" smtClean="0"/>
-              <a:t>1.666667</a:t>
-            </a:r>
+              <a:t>1.000000</a:t>
+            </a:r>
+            <a:endParaRPr lang="en-US" dirty="0" smtClean="0"/>
           </a:p>
         </p:txBody>
       </p:sp>
@@ -9265,14 +9266,14 @@
                 <a:gridCol w="2590800">
                   <a:extLst>
                     <a:ext uri="{9D8B030D-6E8A-4147-A177-3AD203B41FA5}">
-                      <a16:colId xmlns:a16="http://schemas.microsoft.com/office/drawing/2014/main" xmlns="" val="20000"/>
+                      <a16:colId xmlns="" xmlns:a16="http://schemas.microsoft.com/office/drawing/2014/main" val="20000"/>
                     </a:ext>
                   </a:extLst>
                 </a:gridCol>
                 <a:gridCol w="2590800">
                   <a:extLst>
                     <a:ext uri="{9D8B030D-6E8A-4147-A177-3AD203B41FA5}">
-                      <a16:colId xmlns:a16="http://schemas.microsoft.com/office/drawing/2014/main" xmlns="" val="20001"/>
+                      <a16:colId xmlns="" xmlns:a16="http://schemas.microsoft.com/office/drawing/2014/main" val="20001"/>
                     </a:ext>
                   </a:extLst>
                 </a:gridCol>
@@ -9312,7 +9313,7 @@
                 </a:tc>
                 <a:extLst>
                   <a:ext uri="{0D108BD9-81ED-4DB2-BD59-A6C34878D82A}">
-                    <a16:rowId xmlns:a16="http://schemas.microsoft.com/office/drawing/2014/main" xmlns="" val="10000"/>
+                    <a16:rowId xmlns="" xmlns:a16="http://schemas.microsoft.com/office/drawing/2014/main" val="10000"/>
                   </a:ext>
                 </a:extLst>
               </a:tr>
@@ -9351,7 +9352,7 @@
                 </a:tc>
                 <a:extLst>
                   <a:ext uri="{0D108BD9-81ED-4DB2-BD59-A6C34878D82A}">
-                    <a16:rowId xmlns:a16="http://schemas.microsoft.com/office/drawing/2014/main" xmlns="" val="10001"/>
+                    <a16:rowId xmlns="" xmlns:a16="http://schemas.microsoft.com/office/drawing/2014/main" val="10001"/>
                   </a:ext>
                 </a:extLst>
               </a:tr>
@@ -9390,7 +9391,7 @@
                 </a:tc>
                 <a:extLst>
                   <a:ext uri="{0D108BD9-81ED-4DB2-BD59-A6C34878D82A}">
-                    <a16:rowId xmlns:a16="http://schemas.microsoft.com/office/drawing/2014/main" xmlns="" val="10002"/>
+                    <a16:rowId xmlns="" xmlns:a16="http://schemas.microsoft.com/office/drawing/2014/main" val="10002"/>
                   </a:ext>
                 </a:extLst>
               </a:tr>
@@ -9429,7 +9430,7 @@
                 </a:tc>
                 <a:extLst>
                   <a:ext uri="{0D108BD9-81ED-4DB2-BD59-A6C34878D82A}">
-                    <a16:rowId xmlns:a16="http://schemas.microsoft.com/office/drawing/2014/main" xmlns="" val="10003"/>
+                    <a16:rowId xmlns="" xmlns:a16="http://schemas.microsoft.com/office/drawing/2014/main" val="10003"/>
                   </a:ext>
                 </a:extLst>
               </a:tr>
@@ -9551,14 +9552,14 @@
                 <a:gridCol w="2590800">
                   <a:extLst>
                     <a:ext uri="{9D8B030D-6E8A-4147-A177-3AD203B41FA5}">
-                      <a16:colId xmlns:a16="http://schemas.microsoft.com/office/drawing/2014/main" xmlns="" val="20000"/>
+                      <a16:colId xmlns="" xmlns:a16="http://schemas.microsoft.com/office/drawing/2014/main" val="20000"/>
                     </a:ext>
                   </a:extLst>
                 </a:gridCol>
                 <a:gridCol w="2590800">
                   <a:extLst>
                     <a:ext uri="{9D8B030D-6E8A-4147-A177-3AD203B41FA5}">
-                      <a16:colId xmlns:a16="http://schemas.microsoft.com/office/drawing/2014/main" xmlns="" val="20001"/>
+                      <a16:colId xmlns="" xmlns:a16="http://schemas.microsoft.com/office/drawing/2014/main" val="20001"/>
                     </a:ext>
                   </a:extLst>
                 </a:gridCol>
@@ -9598,7 +9599,7 @@
                 </a:tc>
                 <a:extLst>
                   <a:ext uri="{0D108BD9-81ED-4DB2-BD59-A6C34878D82A}">
-                    <a16:rowId xmlns:a16="http://schemas.microsoft.com/office/drawing/2014/main" xmlns="" val="10000"/>
+                    <a16:rowId xmlns="" xmlns:a16="http://schemas.microsoft.com/office/drawing/2014/main" val="10000"/>
                   </a:ext>
                 </a:extLst>
               </a:tr>
@@ -9637,7 +9638,7 @@
                 </a:tc>
                 <a:extLst>
                   <a:ext uri="{0D108BD9-81ED-4DB2-BD59-A6C34878D82A}">
-                    <a16:rowId xmlns:a16="http://schemas.microsoft.com/office/drawing/2014/main" xmlns="" val="10001"/>
+                    <a16:rowId xmlns="" xmlns:a16="http://schemas.microsoft.com/office/drawing/2014/main" val="10001"/>
                   </a:ext>
                 </a:extLst>
               </a:tr>
@@ -9676,7 +9677,7 @@
                 </a:tc>
                 <a:extLst>
                   <a:ext uri="{0D108BD9-81ED-4DB2-BD59-A6C34878D82A}">
-                    <a16:rowId xmlns:a16="http://schemas.microsoft.com/office/drawing/2014/main" xmlns="" val="10002"/>
+                    <a16:rowId xmlns="" xmlns:a16="http://schemas.microsoft.com/office/drawing/2014/main" val="10002"/>
                   </a:ext>
                 </a:extLst>
               </a:tr>
@@ -9712,21 +9713,21 @@
                 <a:gridCol w="1727200">
                   <a:extLst>
                     <a:ext uri="{9D8B030D-6E8A-4147-A177-3AD203B41FA5}">
-                      <a16:colId xmlns:a16="http://schemas.microsoft.com/office/drawing/2014/main" xmlns="" val="20000"/>
+                      <a16:colId xmlns="" xmlns:a16="http://schemas.microsoft.com/office/drawing/2014/main" val="20000"/>
                     </a:ext>
                   </a:extLst>
                 </a:gridCol>
                 <a:gridCol w="2006600">
                   <a:extLst>
                     <a:ext uri="{9D8B030D-6E8A-4147-A177-3AD203B41FA5}">
-                      <a16:colId xmlns:a16="http://schemas.microsoft.com/office/drawing/2014/main" xmlns="" val="20001"/>
+                      <a16:colId xmlns="" xmlns:a16="http://schemas.microsoft.com/office/drawing/2014/main" val="20001"/>
                     </a:ext>
                   </a:extLst>
                 </a:gridCol>
                 <a:gridCol w="1752600">
                   <a:extLst>
                     <a:ext uri="{9D8B030D-6E8A-4147-A177-3AD203B41FA5}">
-                      <a16:colId xmlns:a16="http://schemas.microsoft.com/office/drawing/2014/main" xmlns="" val="20002"/>
+                      <a16:colId xmlns="" xmlns:a16="http://schemas.microsoft.com/office/drawing/2014/main" val="20002"/>
                     </a:ext>
                   </a:extLst>
                 </a:gridCol>
@@ -9782,7 +9783,7 @@
                 </a:tc>
                 <a:extLst>
                   <a:ext uri="{0D108BD9-81ED-4DB2-BD59-A6C34878D82A}">
-                    <a16:rowId xmlns:a16="http://schemas.microsoft.com/office/drawing/2014/main" xmlns="" val="10000"/>
+                    <a16:rowId xmlns="" xmlns:a16="http://schemas.microsoft.com/office/drawing/2014/main" val="10000"/>
                   </a:ext>
                 </a:extLst>
               </a:tr>
@@ -9837,7 +9838,7 @@
                 </a:tc>
                 <a:extLst>
                   <a:ext uri="{0D108BD9-81ED-4DB2-BD59-A6C34878D82A}">
-                    <a16:rowId xmlns:a16="http://schemas.microsoft.com/office/drawing/2014/main" xmlns="" val="10001"/>
+                    <a16:rowId xmlns="" xmlns:a16="http://schemas.microsoft.com/office/drawing/2014/main" val="10001"/>
                   </a:ext>
                 </a:extLst>
               </a:tr>
@@ -9892,7 +9893,7 @@
                 </a:tc>
                 <a:extLst>
                   <a:ext uri="{0D108BD9-81ED-4DB2-BD59-A6C34878D82A}">
-                    <a16:rowId xmlns:a16="http://schemas.microsoft.com/office/drawing/2014/main" xmlns="" val="10002"/>
+                    <a16:rowId xmlns="" xmlns:a16="http://schemas.microsoft.com/office/drawing/2014/main" val="10002"/>
                   </a:ext>
                 </a:extLst>
               </a:tr>
@@ -9963,7 +9964,7 @@
                 </a:tc>
                 <a:extLst>
                   <a:ext uri="{0D108BD9-81ED-4DB2-BD59-A6C34878D82A}">
-                    <a16:rowId xmlns:a16="http://schemas.microsoft.com/office/drawing/2014/main" xmlns="" val="10003"/>
+                    <a16:rowId xmlns="" xmlns:a16="http://schemas.microsoft.com/office/drawing/2014/main" val="10003"/>
                   </a:ext>
                 </a:extLst>
               </a:tr>
@@ -10050,7 +10051,7 @@
                 </a:tc>
                 <a:extLst>
                   <a:ext uri="{0D108BD9-81ED-4DB2-BD59-A6C34878D82A}">
-                    <a16:rowId xmlns:a16="http://schemas.microsoft.com/office/drawing/2014/main" xmlns="" val="10004"/>
+                    <a16:rowId xmlns="" xmlns:a16="http://schemas.microsoft.com/office/drawing/2014/main" val="10004"/>
                   </a:ext>
                 </a:extLst>
               </a:tr>
@@ -10878,21 +10879,21 @@
                 <a:gridCol w="1727200">
                   <a:extLst>
                     <a:ext uri="{9D8B030D-6E8A-4147-A177-3AD203B41FA5}">
-                      <a16:colId xmlns:a16="http://schemas.microsoft.com/office/drawing/2014/main" xmlns="" val="20000"/>
+                      <a16:colId xmlns="" xmlns:a16="http://schemas.microsoft.com/office/drawing/2014/main" val="20000"/>
                     </a:ext>
                   </a:extLst>
                 </a:gridCol>
                 <a:gridCol w="2006600">
                   <a:extLst>
                     <a:ext uri="{9D8B030D-6E8A-4147-A177-3AD203B41FA5}">
-                      <a16:colId xmlns:a16="http://schemas.microsoft.com/office/drawing/2014/main" xmlns="" val="20001"/>
+                      <a16:colId xmlns="" xmlns:a16="http://schemas.microsoft.com/office/drawing/2014/main" val="20001"/>
                     </a:ext>
                   </a:extLst>
                 </a:gridCol>
                 <a:gridCol w="1752600">
                   <a:extLst>
                     <a:ext uri="{9D8B030D-6E8A-4147-A177-3AD203B41FA5}">
-                      <a16:colId xmlns:a16="http://schemas.microsoft.com/office/drawing/2014/main" xmlns="" val="20002"/>
+                      <a16:colId xmlns="" xmlns:a16="http://schemas.microsoft.com/office/drawing/2014/main" val="20002"/>
                     </a:ext>
                   </a:extLst>
                 </a:gridCol>
@@ -10948,7 +10949,7 @@
                 </a:tc>
                 <a:extLst>
                   <a:ext uri="{0D108BD9-81ED-4DB2-BD59-A6C34878D82A}">
-                    <a16:rowId xmlns:a16="http://schemas.microsoft.com/office/drawing/2014/main" xmlns="" val="10000"/>
+                    <a16:rowId xmlns="" xmlns:a16="http://schemas.microsoft.com/office/drawing/2014/main" val="10000"/>
                   </a:ext>
                 </a:extLst>
               </a:tr>
@@ -11003,7 +11004,7 @@
                 </a:tc>
                 <a:extLst>
                   <a:ext uri="{0D108BD9-81ED-4DB2-BD59-A6C34878D82A}">
-                    <a16:rowId xmlns:a16="http://schemas.microsoft.com/office/drawing/2014/main" xmlns="" val="10001"/>
+                    <a16:rowId xmlns="" xmlns:a16="http://schemas.microsoft.com/office/drawing/2014/main" val="10001"/>
                   </a:ext>
                 </a:extLst>
               </a:tr>
@@ -11058,7 +11059,7 @@
                 </a:tc>
                 <a:extLst>
                   <a:ext uri="{0D108BD9-81ED-4DB2-BD59-A6C34878D82A}">
-                    <a16:rowId xmlns:a16="http://schemas.microsoft.com/office/drawing/2014/main" xmlns="" val="10002"/>
+                    <a16:rowId xmlns="" xmlns:a16="http://schemas.microsoft.com/office/drawing/2014/main" val="10002"/>
                   </a:ext>
                 </a:extLst>
               </a:tr>
@@ -11129,7 +11130,7 @@
                 </a:tc>
                 <a:extLst>
                   <a:ext uri="{0D108BD9-81ED-4DB2-BD59-A6C34878D82A}">
-                    <a16:rowId xmlns:a16="http://schemas.microsoft.com/office/drawing/2014/main" xmlns="" val="10003"/>
+                    <a16:rowId xmlns="" xmlns:a16="http://schemas.microsoft.com/office/drawing/2014/main" val="10003"/>
                   </a:ext>
                 </a:extLst>
               </a:tr>
@@ -11216,7 +11217,7 @@
                 </a:tc>
                 <a:extLst>
                   <a:ext uri="{0D108BD9-81ED-4DB2-BD59-A6C34878D82A}">
-                    <a16:rowId xmlns:a16="http://schemas.microsoft.com/office/drawing/2014/main" xmlns="" val="10004"/>
+                    <a16:rowId xmlns="" xmlns:a16="http://schemas.microsoft.com/office/drawing/2014/main" val="10004"/>
                   </a:ext>
                 </a:extLst>
               </a:tr>
@@ -17471,7 +17472,6 @@
               <a:rPr lang="en-US" sz="3600" dirty="0"/>
               <a:t>3</a:t>
             </a:r>
-            <a:endParaRPr lang="en-US" sz="3600" dirty="0"/>
           </a:p>
         </p:txBody>
       </p:sp>
@@ -17515,7 +17515,6 @@
               <a:rPr lang="en-US" sz="3600" dirty="0"/>
               <a:t>2</a:t>
             </a:r>
-            <a:endParaRPr lang="en-US" sz="3600" dirty="0"/>
           </a:p>
         </p:txBody>
       </p:sp>
@@ -26963,7 +26962,6 @@
               <a:rPr lang="en-US" dirty="0"/>
               <a:t>3</a:t>
             </a:r>
-            <a:endParaRPr lang="en-US" dirty="0"/>
           </a:p>
         </p:txBody>
       </p:sp>
@@ -27018,9 +27016,6 @@
               </a:rPr>
               <a:t>2</a:t>
             </a:r>
-            <a:endParaRPr lang="en-US" dirty="0">
-              <a:latin typeface="Comic Sans MS" panose="030F0702030302020204" pitchFamily="66" charset="0"/>
-            </a:endParaRPr>
           </a:p>
         </p:txBody>
       </p:sp>
@@ -28652,7 +28647,6 @@
               <a:rPr lang="en-US" dirty="0"/>
               <a:t>3</a:t>
             </a:r>
-            <a:endParaRPr lang="en-US" dirty="0"/>
           </a:p>
         </p:txBody>
       </p:sp>
@@ -28707,9 +28701,6 @@
               </a:rPr>
               <a:t>2</a:t>
             </a:r>
-            <a:endParaRPr lang="en-US" dirty="0">
-              <a:latin typeface="Comic Sans MS" panose="030F0702030302020204" pitchFamily="66" charset="0"/>
-            </a:endParaRPr>
           </a:p>
         </p:txBody>
       </p:sp>
@@ -29702,7 +29693,6 @@
               <a:rPr lang="en-US" dirty="0"/>
               <a:t>3</a:t>
             </a:r>
-            <a:endParaRPr lang="en-US" dirty="0"/>
           </a:p>
         </p:txBody>
       </p:sp>
@@ -29757,9 +29747,6 @@
               </a:rPr>
               <a:t>2</a:t>
             </a:r>
-            <a:endParaRPr lang="en-US" dirty="0">
-              <a:latin typeface="Comic Sans MS" panose="030F0702030302020204" pitchFamily="66" charset="0"/>
-            </a:endParaRPr>
           </a:p>
         </p:txBody>
       </p:sp>
@@ -30847,7 +30834,6 @@
               <a:rPr lang="en-US" dirty="0"/>
               <a:t>3</a:t>
             </a:r>
-            <a:endParaRPr lang="en-US" dirty="0"/>
           </a:p>
         </p:txBody>
       </p:sp>
@@ -30902,9 +30888,6 @@
               </a:rPr>
               <a:t>2</a:t>
             </a:r>
-            <a:endParaRPr lang="en-US" dirty="0">
-              <a:latin typeface="Comic Sans MS" panose="030F0702030302020204" pitchFamily="66" charset="0"/>
-            </a:endParaRPr>
           </a:p>
         </p:txBody>
       </p:sp>
@@ -31138,7 +31121,6 @@
               <a:rPr lang="en-US" dirty="0"/>
               <a:t>0</a:t>
             </a:r>
-            <a:endParaRPr lang="en-US" dirty="0"/>
           </a:p>
         </p:txBody>
       </p:sp>
@@ -32087,7 +32069,6 @@
               <a:rPr lang="en-US" dirty="0"/>
               <a:t>3</a:t>
             </a:r>
-            <a:endParaRPr lang="en-US" dirty="0"/>
           </a:p>
         </p:txBody>
       </p:sp>
@@ -32142,9 +32123,6 @@
               </a:rPr>
               <a:t>2</a:t>
             </a:r>
-            <a:endParaRPr lang="en-US" dirty="0">
-              <a:latin typeface="Comic Sans MS" panose="030F0702030302020204" pitchFamily="66" charset="0"/>
-            </a:endParaRPr>
           </a:p>
         </p:txBody>
       </p:sp>
@@ -32378,7 +32356,6 @@
               <a:rPr lang="en-US" dirty="0"/>
               <a:t>0</a:t>
             </a:r>
-            <a:endParaRPr lang="en-US" dirty="0"/>
           </a:p>
         </p:txBody>
       </p:sp>
@@ -32473,7 +32450,6 @@
               <a:rPr lang="en-US" dirty="0"/>
               <a:t>5</a:t>
             </a:r>
-            <a:endParaRPr lang="en-US" dirty="0"/>
           </a:p>
         </p:txBody>
       </p:sp>
@@ -33056,7 +33032,6 @@
               <a:rPr lang="en-US" dirty="0"/>
               <a:t>3</a:t>
             </a:r>
-            <a:endParaRPr lang="en-US" dirty="0"/>
           </a:p>
         </p:txBody>
       </p:sp>
@@ -33111,9 +33086,6 @@
               </a:rPr>
               <a:t>2</a:t>
             </a:r>
-            <a:endParaRPr lang="en-US" dirty="0">
-              <a:latin typeface="Comic Sans MS" panose="030F0702030302020204" pitchFamily="66" charset="0"/>
-            </a:endParaRPr>
           </a:p>
         </p:txBody>
       </p:sp>
@@ -33350,7 +33322,6 @@
               <a:rPr lang="en-US" dirty="0"/>
               <a:t>0</a:t>
             </a:r>
-            <a:endParaRPr lang="en-US" dirty="0"/>
           </a:p>
         </p:txBody>
       </p:sp>
@@ -33448,7 +33419,6 @@
               <a:rPr lang="en-US" dirty="0"/>
               <a:t>5</a:t>
             </a:r>
-            <a:endParaRPr lang="en-US" dirty="0"/>
           </a:p>
         </p:txBody>
       </p:sp>
@@ -35347,9 +35317,6 @@
               </a:rPr>
               <a:t>c</a:t>
             </a:r>
-            <a:endParaRPr lang="en-US" sz="3200" dirty="0">
-              <a:latin typeface="Comic Sans MS" panose="030F0702030302020204" pitchFamily="66" charset="0"/>
-            </a:endParaRPr>
           </a:p>
         </p:txBody>
       </p:sp>
@@ -35980,9 +35947,6 @@
               </a:rPr>
               <a:t>c</a:t>
             </a:r>
-            <a:endParaRPr lang="en-US" sz="3200" dirty="0">
-              <a:latin typeface="Comic Sans MS" panose="030F0702030302020204" pitchFamily="66" charset="0"/>
-            </a:endParaRPr>
           </a:p>
         </p:txBody>
       </p:sp>
@@ -36666,9 +36630,6 @@
               </a:rPr>
               <a:t>c</a:t>
             </a:r>
-            <a:endParaRPr lang="en-US" sz="3200" dirty="0">
-              <a:latin typeface="Comic Sans MS" panose="030F0702030302020204" pitchFamily="66" charset="0"/>
-            </a:endParaRPr>
           </a:p>
         </p:txBody>
       </p:sp>
@@ -37702,7 +37663,7 @@
             <a:pPr algn="ctr"/>
             <a:r>
               <a:rPr lang="en-US" sz="3200" dirty="0"/>
-              <a:t>2</a:t>
+              <a:t>1</a:t>
             </a:r>
             <a:r>
               <a:rPr lang="en-US" sz="3200" dirty="0" smtClean="0"/>
@@ -38098,9 +38059,6 @@
               </a:rPr>
               <a:t>c</a:t>
             </a:r>
-            <a:endParaRPr lang="en-US" sz="3200" dirty="0">
-              <a:latin typeface="Comic Sans MS" panose="030F0702030302020204" pitchFamily="66" charset="0"/>
-            </a:endParaRPr>
           </a:p>
         </p:txBody>
       </p:sp>
@@ -39871,9 +39829,6 @@
               </a:rPr>
               <a:t>4</a:t>
             </a:r>
-            <a:endParaRPr lang="en-US" dirty="0">
-              <a:latin typeface="Comic Sans MS" panose="030F0702030302020204" pitchFamily="66" charset="0"/>
-            </a:endParaRPr>
           </a:p>
         </p:txBody>
       </p:sp>
@@ -40006,9 +39961,6 @@
               </a:rPr>
               <a:t>d</a:t>
             </a:r>
-            <a:endParaRPr lang="en-US" dirty="0">
-              <a:latin typeface="Comic Sans MS" panose="030F0702030302020204" pitchFamily="66" charset="0"/>
-            </a:endParaRPr>
           </a:p>
         </p:txBody>
       </p:sp>
